--- a/firebase.pptx
+++ b/firebase.pptx
@@ -5,28 +5,29 @@
     <p:sldMasterId id="2147483660" r:id="rId1"/>
   </p:sldMasterIdLst>
   <p:sldIdLst>
-    <p:sldId id="256" r:id="rId2"/>
-    <p:sldId id="257" r:id="rId3"/>
-    <p:sldId id="258" r:id="rId4"/>
-    <p:sldId id="259" r:id="rId5"/>
-    <p:sldId id="260" r:id="rId6"/>
-    <p:sldId id="261" r:id="rId7"/>
-    <p:sldId id="262" r:id="rId8"/>
-    <p:sldId id="263" r:id="rId9"/>
-    <p:sldId id="264" r:id="rId10"/>
-    <p:sldId id="265" r:id="rId11"/>
-    <p:sldId id="266" r:id="rId12"/>
-    <p:sldId id="267" r:id="rId13"/>
-    <p:sldId id="269" r:id="rId14"/>
-    <p:sldId id="268" r:id="rId15"/>
-    <p:sldId id="270" r:id="rId16"/>
-    <p:sldId id="271" r:id="rId17"/>
-    <p:sldId id="272" r:id="rId18"/>
-    <p:sldId id="273" r:id="rId19"/>
-    <p:sldId id="274" r:id="rId20"/>
-    <p:sldId id="275" r:id="rId21"/>
-    <p:sldId id="276" r:id="rId22"/>
-    <p:sldId id="277" r:id="rId23"/>
+    <p:sldId id="278" r:id="rId2"/>
+    <p:sldId id="256" r:id="rId3"/>
+    <p:sldId id="257" r:id="rId4"/>
+    <p:sldId id="258" r:id="rId5"/>
+    <p:sldId id="259" r:id="rId6"/>
+    <p:sldId id="260" r:id="rId7"/>
+    <p:sldId id="261" r:id="rId8"/>
+    <p:sldId id="262" r:id="rId9"/>
+    <p:sldId id="263" r:id="rId10"/>
+    <p:sldId id="264" r:id="rId11"/>
+    <p:sldId id="265" r:id="rId12"/>
+    <p:sldId id="266" r:id="rId13"/>
+    <p:sldId id="267" r:id="rId14"/>
+    <p:sldId id="269" r:id="rId15"/>
+    <p:sldId id="268" r:id="rId16"/>
+    <p:sldId id="270" r:id="rId17"/>
+    <p:sldId id="271" r:id="rId18"/>
+    <p:sldId id="272" r:id="rId19"/>
+    <p:sldId id="273" r:id="rId20"/>
+    <p:sldId id="274" r:id="rId21"/>
+    <p:sldId id="275" r:id="rId22"/>
+    <p:sldId id="276" r:id="rId23"/>
+    <p:sldId id="277" r:id="rId24"/>
   </p:sldIdLst>
   <p:sldSz cx="12192000" cy="6858000"/>
   <p:notesSz cx="6858000" cy="9144000"/>
@@ -264,7 +265,7 @@
           <a:p>
             <a:fld id="{6BD79945-8060-45F0-8579-4966D7C541EE}" type="datetimeFigureOut">
               <a:rPr lang="ko-KR" altLang="en-US" smtClean="0"/>
-              <a:t>2025-08-27</a:t>
+              <a:t>2025-08-28</a:t>
             </a:fld>
             <a:endParaRPr lang="ko-KR" altLang="en-US"/>
           </a:p>
@@ -434,7 +435,7 @@
           <a:p>
             <a:fld id="{6BD79945-8060-45F0-8579-4966D7C541EE}" type="datetimeFigureOut">
               <a:rPr lang="ko-KR" altLang="en-US" smtClean="0"/>
-              <a:t>2025-08-27</a:t>
+              <a:t>2025-08-28</a:t>
             </a:fld>
             <a:endParaRPr lang="ko-KR" altLang="en-US"/>
           </a:p>
@@ -614,7 +615,7 @@
           <a:p>
             <a:fld id="{6BD79945-8060-45F0-8579-4966D7C541EE}" type="datetimeFigureOut">
               <a:rPr lang="ko-KR" altLang="en-US" smtClean="0"/>
-              <a:t>2025-08-27</a:t>
+              <a:t>2025-08-28</a:t>
             </a:fld>
             <a:endParaRPr lang="ko-KR" altLang="en-US"/>
           </a:p>
@@ -784,7 +785,7 @@
           <a:p>
             <a:fld id="{6BD79945-8060-45F0-8579-4966D7C541EE}" type="datetimeFigureOut">
               <a:rPr lang="ko-KR" altLang="en-US" smtClean="0"/>
-              <a:t>2025-08-27</a:t>
+              <a:t>2025-08-28</a:t>
             </a:fld>
             <a:endParaRPr lang="ko-KR" altLang="en-US"/>
           </a:p>
@@ -1030,7 +1031,7 @@
           <a:p>
             <a:fld id="{6BD79945-8060-45F0-8579-4966D7C541EE}" type="datetimeFigureOut">
               <a:rPr lang="ko-KR" altLang="en-US" smtClean="0"/>
-              <a:t>2025-08-27</a:t>
+              <a:t>2025-08-28</a:t>
             </a:fld>
             <a:endParaRPr lang="ko-KR" altLang="en-US"/>
           </a:p>
@@ -1262,7 +1263,7 @@
           <a:p>
             <a:fld id="{6BD79945-8060-45F0-8579-4966D7C541EE}" type="datetimeFigureOut">
               <a:rPr lang="ko-KR" altLang="en-US" smtClean="0"/>
-              <a:t>2025-08-27</a:t>
+              <a:t>2025-08-28</a:t>
             </a:fld>
             <a:endParaRPr lang="ko-KR" altLang="en-US"/>
           </a:p>
@@ -1629,7 +1630,7 @@
           <a:p>
             <a:fld id="{6BD79945-8060-45F0-8579-4966D7C541EE}" type="datetimeFigureOut">
               <a:rPr lang="ko-KR" altLang="en-US" smtClean="0"/>
-              <a:t>2025-08-27</a:t>
+              <a:t>2025-08-28</a:t>
             </a:fld>
             <a:endParaRPr lang="ko-KR" altLang="en-US"/>
           </a:p>
@@ -1747,7 +1748,7 @@
           <a:p>
             <a:fld id="{6BD79945-8060-45F0-8579-4966D7C541EE}" type="datetimeFigureOut">
               <a:rPr lang="ko-KR" altLang="en-US" smtClean="0"/>
-              <a:t>2025-08-27</a:t>
+              <a:t>2025-08-28</a:t>
             </a:fld>
             <a:endParaRPr lang="ko-KR" altLang="en-US"/>
           </a:p>
@@ -1842,7 +1843,7 @@
           <a:p>
             <a:fld id="{6BD79945-8060-45F0-8579-4966D7C541EE}" type="datetimeFigureOut">
               <a:rPr lang="ko-KR" altLang="en-US" smtClean="0"/>
-              <a:t>2025-08-27</a:t>
+              <a:t>2025-08-28</a:t>
             </a:fld>
             <a:endParaRPr lang="ko-KR" altLang="en-US"/>
           </a:p>
@@ -2119,7 +2120,7 @@
           <a:p>
             <a:fld id="{6BD79945-8060-45F0-8579-4966D7C541EE}" type="datetimeFigureOut">
               <a:rPr lang="ko-KR" altLang="en-US" smtClean="0"/>
-              <a:t>2025-08-27</a:t>
+              <a:t>2025-08-28</a:t>
             </a:fld>
             <a:endParaRPr lang="ko-KR" altLang="en-US"/>
           </a:p>
@@ -2376,7 +2377,7 @@
           <a:p>
             <a:fld id="{6BD79945-8060-45F0-8579-4966D7C541EE}" type="datetimeFigureOut">
               <a:rPr lang="ko-KR" altLang="en-US" smtClean="0"/>
-              <a:t>2025-08-27</a:t>
+              <a:t>2025-08-28</a:t>
             </a:fld>
             <a:endParaRPr lang="ko-KR" altLang="en-US"/>
           </a:p>
@@ -2589,7 +2590,7 @@
           <a:p>
             <a:fld id="{6BD79945-8060-45F0-8579-4966D7C541EE}" type="datetimeFigureOut">
               <a:rPr lang="ko-KR" altLang="en-US" smtClean="0"/>
-              <a:t>2025-08-27</a:t>
+              <a:t>2025-08-28</a:t>
             </a:fld>
             <a:endParaRPr lang="ko-KR" altLang="en-US"/>
           </a:p>
@@ -2996,10 +2997,10 @@
       </p:grpSpPr>
       <p:pic>
         <p:nvPicPr>
-          <p:cNvPr id="5" name="그림 4">
+          <p:cNvPr id="3" name="그림 2">
             <a:extLst>
               <a:ext uri="{FF2B5EF4-FFF2-40B4-BE49-F238E27FC236}">
-                <a16:creationId xmlns:a16="http://schemas.microsoft.com/office/drawing/2014/main" id="{D9B3340B-8A68-9E44-500C-29FBA5621572}"/>
+                <a16:creationId xmlns:a16="http://schemas.microsoft.com/office/drawing/2014/main" id="{7D0A825F-F475-1FB5-5257-2771302DA17C}"/>
               </a:ext>
             </a:extLst>
           </p:cNvPr>
@@ -3016,8 +3017,8 @@
         </p:blipFill>
         <p:spPr>
           <a:xfrm>
-            <a:off x="0" y="480800"/>
-            <a:ext cx="12192000" cy="5896399"/>
+            <a:off x="0" y="723580"/>
+            <a:ext cx="12192000" cy="5410840"/>
           </a:xfrm>
           <a:prstGeom prst="rect">
             <a:avLst/>
@@ -3026,10 +3027,10 @@
       </p:pic>
       <p:pic>
         <p:nvPicPr>
-          <p:cNvPr id="7" name="그래픽 6" descr="커서 단색으로 채워진">
+          <p:cNvPr id="4" name="그래픽 3" descr="커서 단색으로 채워진">
             <a:extLst>
               <a:ext uri="{FF2B5EF4-FFF2-40B4-BE49-F238E27FC236}">
-                <a16:creationId xmlns:a16="http://schemas.microsoft.com/office/drawing/2014/main" id="{5E319519-6E14-1754-7970-14DE1E54E74E}"/>
+                <a16:creationId xmlns:a16="http://schemas.microsoft.com/office/drawing/2014/main" id="{11B7389C-98B9-C7BF-E433-7860C5B8818E}"/>
               </a:ext>
             </a:extLst>
           </p:cNvPr>
@@ -3052,7 +3053,7 @@
         </p:blipFill>
         <p:spPr>
           <a:xfrm>
-            <a:off x="4308764" y="3211945"/>
+            <a:off x="10947901" y="723580"/>
             <a:ext cx="914400" cy="914400"/>
           </a:xfrm>
           <a:prstGeom prst="rect">
@@ -3060,46 +3061,70 @@
           </a:prstGeom>
         </p:spPr>
       </p:pic>
-      <p:pic>
-        <p:nvPicPr>
-          <p:cNvPr id="9" name="그래픽 8" descr="확인 표시 단색으로 채워진">
+      <p:sp>
+        <p:nvSpPr>
+          <p:cNvPr id="5" name="TextBox 4">
             <a:extLst>
               <a:ext uri="{FF2B5EF4-FFF2-40B4-BE49-F238E27FC236}">
-                <a16:creationId xmlns:a16="http://schemas.microsoft.com/office/drawing/2014/main" id="{97FD1196-0475-AC61-4C6C-748C7E8865CF}"/>
+                <a16:creationId xmlns:a16="http://schemas.microsoft.com/office/drawing/2014/main" id="{716BCA16-DA7F-08F4-A224-2691C3946607}"/>
               </a:ext>
             </a:extLst>
           </p:cNvPr>
-          <p:cNvPicPr>
-            <a:picLocks noChangeAspect="1"/>
-          </p:cNvPicPr>
+          <p:cNvSpPr txBox="1"/>
           <p:nvPr/>
-        </p:nvPicPr>
-        <p:blipFill>
-          <a:blip r:embed="rId5">
-            <a:extLst>
-              <a:ext uri="{96DAC541-7B7A-43D3-8B79-37D633B846F1}">
-                <asvg:svgBlip xmlns:asvg="http://schemas.microsoft.com/office/drawing/2016/SVG/main" r:embed="rId6"/>
-              </a:ext>
-            </a:extLst>
-          </a:blip>
-          <a:stretch>
-            <a:fillRect/>
-          </a:stretch>
-        </p:blipFill>
-        <p:spPr>
-          <a:xfrm>
-            <a:off x="-1092795" y="1953705"/>
-            <a:ext cx="914400" cy="914400"/>
+        </p:nvSpPr>
+        <p:spPr>
+          <a:xfrm>
+            <a:off x="3911600" y="15694"/>
+            <a:ext cx="4368800" cy="707886"/>
           </a:xfrm>
           <a:prstGeom prst="rect">
             <a:avLst/>
           </a:prstGeom>
-        </p:spPr>
-      </p:pic>
+          <a:noFill/>
+        </p:spPr>
+        <p:txBody>
+          <a:bodyPr wrap="square" rtlCol="0">
+            <a:spAutoFit/>
+          </a:bodyPr>
+          <a:lstStyle/>
+          <a:p>
+            <a:r>
+              <a:rPr lang="en-US" altLang="ko-KR" sz="4000" b="1" dirty="0">
+                <a:solidFill>
+                  <a:srgbClr val="FFC000"/>
+                </a:solidFill>
+              </a:rPr>
+              <a:t>Fire</a:t>
+            </a:r>
+            <a:r>
+              <a:rPr lang="ko-KR" altLang="en-US" sz="4000" b="1" dirty="0">
+                <a:solidFill>
+                  <a:srgbClr val="FFC000"/>
+                </a:solidFill>
+              </a:rPr>
+              <a:t> </a:t>
+            </a:r>
+            <a:r>
+              <a:rPr lang="en-US" altLang="ko-KR" sz="4000" b="1">
+                <a:solidFill>
+                  <a:srgbClr val="FFC000"/>
+                </a:solidFill>
+              </a:rPr>
+              <a:t>base console</a:t>
+            </a:r>
+            <a:endParaRPr lang="en-US" altLang="ko-KR" sz="4000" b="1" dirty="0">
+              <a:solidFill>
+                <a:srgbClr val="FFC000"/>
+              </a:solidFill>
+            </a:endParaRPr>
+          </a:p>
+        </p:txBody>
+      </p:sp>
     </p:spTree>
     <p:extLst>
       <p:ext uri="{BB962C8B-B14F-4D97-AF65-F5344CB8AC3E}">
-        <p14:creationId xmlns:p14="http://schemas.microsoft.com/office/powerpoint/2010/main" val="1632652753"/>
+        <p14:creationId xmlns:p14="http://schemas.microsoft.com/office/powerpoint/2010/main" val="862277751"/>
       </p:ext>
     </p:extLst>
   </p:cSld>
@@ -3110,6 +3135,144 @@
 </file>
 
 <file path=ppt/slides/slide10.xml><?xml version="1.0" encoding="utf-8"?>
+<p:sld xmlns:a="http://schemas.openxmlformats.org/drawingml/2006/main" xmlns:r="http://schemas.openxmlformats.org/officeDocument/2006/relationships" xmlns:p="http://schemas.openxmlformats.org/presentationml/2006/main">
+  <p:cSld>
+    <p:spTree>
+      <p:nvGrpSpPr>
+        <p:cNvPr id="1" name="">
+          <a:extLst>
+            <a:ext uri="{FF2B5EF4-FFF2-40B4-BE49-F238E27FC236}">
+              <a16:creationId xmlns:a16="http://schemas.microsoft.com/office/drawing/2014/main" id="{CDF701BB-4F25-8FC6-4A07-4E7D2E74A548}"/>
+            </a:ext>
+          </a:extLst>
+        </p:cNvPr>
+        <p:cNvGrpSpPr/>
+        <p:nvPr/>
+      </p:nvGrpSpPr>
+      <p:grpSpPr>
+        <a:xfrm>
+          <a:off x="0" y="0"/>
+          <a:ext cx="0" cy="0"/>
+          <a:chOff x="0" y="0"/>
+          <a:chExt cx="0" cy="0"/>
+        </a:xfrm>
+      </p:grpSpPr>
+      <p:pic>
+        <p:nvPicPr>
+          <p:cNvPr id="7" name="그림 6">
+            <a:extLst>
+              <a:ext uri="{FF2B5EF4-FFF2-40B4-BE49-F238E27FC236}">
+                <a16:creationId xmlns:a16="http://schemas.microsoft.com/office/drawing/2014/main" id="{FC134150-54C0-3B37-AD04-F24EF31EF495}"/>
+              </a:ext>
+            </a:extLst>
+          </p:cNvPr>
+          <p:cNvPicPr>
+            <a:picLocks noChangeAspect="1"/>
+          </p:cNvPicPr>
+          <p:nvPr/>
+        </p:nvPicPr>
+        <p:blipFill>
+          <a:blip r:embed="rId2"/>
+          <a:stretch>
+            <a:fillRect/>
+          </a:stretch>
+        </p:blipFill>
+        <p:spPr>
+          <a:xfrm>
+            <a:off x="0" y="588022"/>
+            <a:ext cx="12192000" cy="5681956"/>
+          </a:xfrm>
+          <a:prstGeom prst="rect">
+            <a:avLst/>
+          </a:prstGeom>
+        </p:spPr>
+      </p:pic>
+      <p:pic>
+        <p:nvPicPr>
+          <p:cNvPr id="8" name="그래픽 7" descr="확인 표시 단색으로 채워진">
+            <a:extLst>
+              <a:ext uri="{FF2B5EF4-FFF2-40B4-BE49-F238E27FC236}">
+                <a16:creationId xmlns:a16="http://schemas.microsoft.com/office/drawing/2014/main" id="{8ADFF349-4E87-00D5-E446-C5A8BF8B457C}"/>
+              </a:ext>
+            </a:extLst>
+          </p:cNvPr>
+          <p:cNvPicPr>
+            <a:picLocks noChangeAspect="1"/>
+          </p:cNvPicPr>
+          <p:nvPr/>
+        </p:nvPicPr>
+        <p:blipFill>
+          <a:blip r:embed="rId3">
+            <a:extLst>
+              <a:ext uri="{96DAC541-7B7A-43D3-8B79-37D633B846F1}">
+                <asvg:svgBlip xmlns:asvg="http://schemas.microsoft.com/office/drawing/2016/SVG/main" r:embed="rId4"/>
+              </a:ext>
+            </a:extLst>
+          </a:blip>
+          <a:stretch>
+            <a:fillRect/>
+          </a:stretch>
+        </p:blipFill>
+        <p:spPr>
+          <a:xfrm>
+            <a:off x="218672" y="1922282"/>
+            <a:ext cx="914400" cy="914400"/>
+          </a:xfrm>
+          <a:prstGeom prst="rect">
+            <a:avLst/>
+          </a:prstGeom>
+        </p:spPr>
+      </p:pic>
+      <p:pic>
+        <p:nvPicPr>
+          <p:cNvPr id="9" name="그래픽 8" descr="커서 단색으로 채워진">
+            <a:extLst>
+              <a:ext uri="{FF2B5EF4-FFF2-40B4-BE49-F238E27FC236}">
+                <a16:creationId xmlns:a16="http://schemas.microsoft.com/office/drawing/2014/main" id="{137E4782-B54F-74A9-10D5-A5D10B585104}"/>
+              </a:ext>
+            </a:extLst>
+          </p:cNvPr>
+          <p:cNvPicPr>
+            <a:picLocks noChangeAspect="1"/>
+          </p:cNvPicPr>
+          <p:nvPr/>
+        </p:nvPicPr>
+        <p:blipFill>
+          <a:blip r:embed="rId5">
+            <a:extLst>
+              <a:ext uri="{96DAC541-7B7A-43D3-8B79-37D633B846F1}">
+                <asvg:svgBlip xmlns:asvg="http://schemas.microsoft.com/office/drawing/2016/SVG/main" r:embed="rId6"/>
+              </a:ext>
+            </a:extLst>
+          </a:blip>
+          <a:stretch>
+            <a:fillRect/>
+          </a:stretch>
+        </p:blipFill>
+        <p:spPr>
+          <a:xfrm>
+            <a:off x="962386" y="4548910"/>
+            <a:ext cx="914400" cy="914400"/>
+          </a:xfrm>
+          <a:prstGeom prst="rect">
+            <a:avLst/>
+          </a:prstGeom>
+        </p:spPr>
+      </p:pic>
+    </p:spTree>
+    <p:extLst>
+      <p:ext uri="{BB962C8B-B14F-4D97-AF65-F5344CB8AC3E}">
+        <p14:creationId xmlns:p14="http://schemas.microsoft.com/office/powerpoint/2010/main" val="2150409070"/>
+      </p:ext>
+    </p:extLst>
+  </p:cSld>
+  <p:clrMapOvr>
+    <a:masterClrMapping/>
+  </p:clrMapOvr>
+</p:sld>
+</file>
+
+<file path=ppt/slides/slide11.xml><?xml version="1.0" encoding="utf-8"?>
 <p:sld xmlns:a="http://schemas.openxmlformats.org/drawingml/2006/main" xmlns:r="http://schemas.openxmlformats.org/officeDocument/2006/relationships" xmlns:p="http://schemas.openxmlformats.org/presentationml/2006/main">
   <p:cSld>
     <p:spTree>
@@ -3211,7 +3374,7 @@
 </p:sld>
 </file>
 
-<file path=ppt/slides/slide11.xml><?xml version="1.0" encoding="utf-8"?>
+<file path=ppt/slides/slide12.xml><?xml version="1.0" encoding="utf-8"?>
 <p:sld xmlns:a="http://schemas.openxmlformats.org/drawingml/2006/main" xmlns:r="http://schemas.openxmlformats.org/officeDocument/2006/relationships" xmlns:p="http://schemas.openxmlformats.org/presentationml/2006/main">
   <p:cSld>
     <p:spTree>
@@ -3349,7 +3512,7 @@
 </p:sld>
 </file>
 
-<file path=ppt/slides/slide12.xml><?xml version="1.0" encoding="utf-8"?>
+<file path=ppt/slides/slide13.xml><?xml version="1.0" encoding="utf-8"?>
 <p:sld xmlns:a="http://schemas.openxmlformats.org/drawingml/2006/main" xmlns:r="http://schemas.openxmlformats.org/officeDocument/2006/relationships" xmlns:p="http://schemas.openxmlformats.org/presentationml/2006/main">
   <p:cSld>
     <p:spTree>
@@ -3451,7 +3614,7 @@
 </p:sld>
 </file>
 
-<file path=ppt/slides/slide13.xml><?xml version="1.0" encoding="utf-8"?>
+<file path=ppt/slides/slide14.xml><?xml version="1.0" encoding="utf-8"?>
 <p:sld xmlns:a="http://schemas.openxmlformats.org/drawingml/2006/main" xmlns:r="http://schemas.openxmlformats.org/officeDocument/2006/relationships" xmlns:p="http://schemas.openxmlformats.org/presentationml/2006/main">
   <p:cSld>
     <p:spTree>
@@ -3625,7 +3788,7 @@
 </p:sld>
 </file>
 
-<file path=ppt/slides/slide14.xml><?xml version="1.0" encoding="utf-8"?>
+<file path=ppt/slides/slide15.xml><?xml version="1.0" encoding="utf-8"?>
 <p:sld xmlns:a="http://schemas.openxmlformats.org/drawingml/2006/main" xmlns:r="http://schemas.openxmlformats.org/officeDocument/2006/relationships" xmlns:p="http://schemas.openxmlformats.org/presentationml/2006/main">
   <p:cSld>
     <p:spTree>
@@ -3692,7 +3855,7 @@
         </p:nvSpPr>
         <p:spPr>
           <a:xfrm>
-            <a:off x="6031345" y="3059667"/>
+            <a:off x="6197600" y="2034431"/>
             <a:ext cx="1403928" cy="369332"/>
           </a:xfrm>
           <a:prstGeom prst="rect">
@@ -3727,7 +3890,7 @@
 </p:sld>
 </file>
 
-<file path=ppt/slides/slide15.xml><?xml version="1.0" encoding="utf-8"?>
+<file path=ppt/slides/slide16.xml><?xml version="1.0" encoding="utf-8"?>
 <p:sld xmlns:a="http://schemas.openxmlformats.org/drawingml/2006/main" xmlns:r="http://schemas.openxmlformats.org/officeDocument/2006/relationships" xmlns:p="http://schemas.openxmlformats.org/presentationml/2006/main">
   <p:cSld>
     <p:spTree>
@@ -3794,8 +3957,8 @@
         </p:nvSpPr>
         <p:spPr>
           <a:xfrm>
-            <a:off x="4313381" y="2736394"/>
-            <a:ext cx="1403928" cy="369332"/>
+            <a:off x="4313380" y="2736394"/>
+            <a:ext cx="1890471" cy="369332"/>
           </a:xfrm>
           <a:prstGeom prst="rect">
             <a:avLst/>
@@ -3810,7 +3973,7 @@
           <a:p>
             <a:r>
               <a:rPr lang="en-US" altLang="ko-KR" dirty="0"/>
-              <a:t>True change</a:t>
+              <a:t>change the True</a:t>
             </a:r>
             <a:endParaRPr lang="ko-KR" altLang="en-US" dirty="0"/>
           </a:p>
@@ -3829,7 +3992,7 @@
 </p:sld>
 </file>
 
-<file path=ppt/slides/slide16.xml><?xml version="1.0" encoding="utf-8"?>
+<file path=ppt/slides/slide17.xml><?xml version="1.0" encoding="utf-8"?>
 <p:sld xmlns:a="http://schemas.openxmlformats.org/drawingml/2006/main" xmlns:r="http://schemas.openxmlformats.org/officeDocument/2006/relationships" xmlns:p="http://schemas.openxmlformats.org/presentationml/2006/main">
   <p:cSld>
     <p:spTree>
@@ -3865,7 +4028,7 @@
 </p:sld>
 </file>
 
-<file path=ppt/slides/slide17.xml><?xml version="1.0" encoding="utf-8"?>
+<file path=ppt/slides/slide18.xml><?xml version="1.0" encoding="utf-8"?>
 <p:sld xmlns:a="http://schemas.openxmlformats.org/drawingml/2006/main" xmlns:r="http://schemas.openxmlformats.org/officeDocument/2006/relationships" xmlns:p="http://schemas.openxmlformats.org/presentationml/2006/main">
   <p:cSld>
     <p:spTree>
@@ -3901,7 +4064,7 @@
 </p:sld>
 </file>
 
-<file path=ppt/slides/slide18.xml><?xml version="1.0" encoding="utf-8"?>
+<file path=ppt/slides/slide19.xml><?xml version="1.0" encoding="utf-8"?>
 <p:sld xmlns:a="http://schemas.openxmlformats.org/drawingml/2006/main" xmlns:r="http://schemas.openxmlformats.org/officeDocument/2006/relationships" xmlns:p="http://schemas.openxmlformats.org/presentationml/2006/main">
   <p:cSld>
     <p:spTree>
@@ -3937,7 +4100,103 @@
 </p:sld>
 </file>
 
-<file path=ppt/slides/slide19.xml><?xml version="1.0" encoding="utf-8"?>
+<file path=ppt/slides/slide2.xml><?xml version="1.0" encoding="utf-8"?>
+<p:sld xmlns:a="http://schemas.openxmlformats.org/drawingml/2006/main" xmlns:r="http://schemas.openxmlformats.org/officeDocument/2006/relationships" xmlns:p="http://schemas.openxmlformats.org/presentationml/2006/main">
+  <p:cSld>
+    <p:spTree>
+      <p:nvGrpSpPr>
+        <p:cNvPr id="1" name=""/>
+        <p:cNvGrpSpPr/>
+        <p:nvPr/>
+      </p:nvGrpSpPr>
+      <p:grpSpPr>
+        <a:xfrm>
+          <a:off x="0" y="0"/>
+          <a:ext cx="0" cy="0"/>
+          <a:chOff x="0" y="0"/>
+          <a:chExt cx="0" cy="0"/>
+        </a:xfrm>
+      </p:grpSpPr>
+      <p:pic>
+        <p:nvPicPr>
+          <p:cNvPr id="5" name="그림 4">
+            <a:extLst>
+              <a:ext uri="{FF2B5EF4-FFF2-40B4-BE49-F238E27FC236}">
+                <a16:creationId xmlns:a16="http://schemas.microsoft.com/office/drawing/2014/main" id="{D9B3340B-8A68-9E44-500C-29FBA5621572}"/>
+              </a:ext>
+            </a:extLst>
+          </p:cNvPr>
+          <p:cNvPicPr>
+            <a:picLocks noChangeAspect="1"/>
+          </p:cNvPicPr>
+          <p:nvPr/>
+        </p:nvPicPr>
+        <p:blipFill>
+          <a:blip r:embed="rId2"/>
+          <a:stretch>
+            <a:fillRect/>
+          </a:stretch>
+        </p:blipFill>
+        <p:spPr>
+          <a:xfrm>
+            <a:off x="0" y="480800"/>
+            <a:ext cx="12192000" cy="5896399"/>
+          </a:xfrm>
+          <a:prstGeom prst="rect">
+            <a:avLst/>
+          </a:prstGeom>
+        </p:spPr>
+      </p:pic>
+      <p:pic>
+        <p:nvPicPr>
+          <p:cNvPr id="7" name="그래픽 6" descr="커서 단색으로 채워진">
+            <a:extLst>
+              <a:ext uri="{FF2B5EF4-FFF2-40B4-BE49-F238E27FC236}">
+                <a16:creationId xmlns:a16="http://schemas.microsoft.com/office/drawing/2014/main" id="{5E319519-6E14-1754-7970-14DE1E54E74E}"/>
+              </a:ext>
+            </a:extLst>
+          </p:cNvPr>
+          <p:cNvPicPr>
+            <a:picLocks noChangeAspect="1"/>
+          </p:cNvPicPr>
+          <p:nvPr/>
+        </p:nvPicPr>
+        <p:blipFill>
+          <a:blip r:embed="rId3">
+            <a:extLst>
+              <a:ext uri="{96DAC541-7B7A-43D3-8B79-37D633B846F1}">
+                <asvg:svgBlip xmlns:asvg="http://schemas.microsoft.com/office/drawing/2016/SVG/main" r:embed="rId4"/>
+              </a:ext>
+            </a:extLst>
+          </a:blip>
+          <a:stretch>
+            <a:fillRect/>
+          </a:stretch>
+        </p:blipFill>
+        <p:spPr>
+          <a:xfrm>
+            <a:off x="4308764" y="3211945"/>
+            <a:ext cx="914400" cy="914400"/>
+          </a:xfrm>
+          <a:prstGeom prst="rect">
+            <a:avLst/>
+          </a:prstGeom>
+        </p:spPr>
+      </p:pic>
+    </p:spTree>
+    <p:extLst>
+      <p:ext uri="{BB962C8B-B14F-4D97-AF65-F5344CB8AC3E}">
+        <p14:creationId xmlns:p14="http://schemas.microsoft.com/office/powerpoint/2010/main" val="1632652753"/>
+      </p:ext>
+    </p:extLst>
+  </p:cSld>
+  <p:clrMapOvr>
+    <a:masterClrMapping/>
+  </p:clrMapOvr>
+</p:sld>
+</file>
+
+<file path=ppt/slides/slide20.xml><?xml version="1.0" encoding="utf-8"?>
 <p:sld xmlns:a="http://schemas.openxmlformats.org/drawingml/2006/main" xmlns:r="http://schemas.openxmlformats.org/officeDocument/2006/relationships" xmlns:p="http://schemas.openxmlformats.org/presentationml/2006/main">
   <p:cSld>
     <p:spTree>
@@ -3973,139 +4232,7 @@
 </p:sld>
 </file>
 
-<file path=ppt/slides/slide2.xml><?xml version="1.0" encoding="utf-8"?>
-<p:sld xmlns:a="http://schemas.openxmlformats.org/drawingml/2006/main" xmlns:r="http://schemas.openxmlformats.org/officeDocument/2006/relationships" xmlns:p="http://schemas.openxmlformats.org/presentationml/2006/main">
-  <p:cSld>
-    <p:spTree>
-      <p:nvGrpSpPr>
-        <p:cNvPr id="1" name=""/>
-        <p:cNvGrpSpPr/>
-        <p:nvPr/>
-      </p:nvGrpSpPr>
-      <p:grpSpPr>
-        <a:xfrm>
-          <a:off x="0" y="0"/>
-          <a:ext cx="0" cy="0"/>
-          <a:chOff x="0" y="0"/>
-          <a:chExt cx="0" cy="0"/>
-        </a:xfrm>
-      </p:grpSpPr>
-      <p:pic>
-        <p:nvPicPr>
-          <p:cNvPr id="12" name="그림 11">
-            <a:extLst>
-              <a:ext uri="{FF2B5EF4-FFF2-40B4-BE49-F238E27FC236}">
-                <a16:creationId xmlns:a16="http://schemas.microsoft.com/office/drawing/2014/main" id="{BBEF1C95-B370-E1CB-58EA-B6FCF5147D14}"/>
-              </a:ext>
-            </a:extLst>
-          </p:cNvPr>
-          <p:cNvPicPr>
-            <a:picLocks noChangeAspect="1"/>
-          </p:cNvPicPr>
-          <p:nvPr/>
-        </p:nvPicPr>
-        <p:blipFill>
-          <a:blip r:embed="rId2"/>
-          <a:stretch>
-            <a:fillRect/>
-          </a:stretch>
-        </p:blipFill>
-        <p:spPr>
-          <a:xfrm>
-            <a:off x="0" y="544939"/>
-            <a:ext cx="12192000" cy="5768121"/>
-          </a:xfrm>
-          <a:prstGeom prst="rect">
-            <a:avLst/>
-          </a:prstGeom>
-        </p:spPr>
-      </p:pic>
-      <p:pic>
-        <p:nvPicPr>
-          <p:cNvPr id="14" name="그래픽 13" descr="연필 단색으로 채워진">
-            <a:extLst>
-              <a:ext uri="{FF2B5EF4-FFF2-40B4-BE49-F238E27FC236}">
-                <a16:creationId xmlns:a16="http://schemas.microsoft.com/office/drawing/2014/main" id="{779F9487-6FA5-7442-4309-876F1293B09C}"/>
-              </a:ext>
-            </a:extLst>
-          </p:cNvPr>
-          <p:cNvPicPr>
-            <a:picLocks noChangeAspect="1"/>
-          </p:cNvPicPr>
-          <p:nvPr/>
-        </p:nvPicPr>
-        <p:blipFill>
-          <a:blip r:embed="rId3">
-            <a:extLst>
-              <a:ext uri="{96DAC541-7B7A-43D3-8B79-37D633B846F1}">
-                <asvg:svgBlip xmlns:asvg="http://schemas.microsoft.com/office/drawing/2016/SVG/main" r:embed="rId4"/>
-              </a:ext>
-            </a:extLst>
-          </a:blip>
-          <a:stretch>
-            <a:fillRect/>
-          </a:stretch>
-        </p:blipFill>
-        <p:spPr>
-          <a:xfrm>
-            <a:off x="2581564" y="2389909"/>
-            <a:ext cx="914400" cy="914400"/>
-          </a:xfrm>
-          <a:prstGeom prst="rect">
-            <a:avLst/>
-          </a:prstGeom>
-        </p:spPr>
-      </p:pic>
-      <p:pic>
-        <p:nvPicPr>
-          <p:cNvPr id="15" name="그래픽 14" descr="커서 단색으로 채워진">
-            <a:extLst>
-              <a:ext uri="{FF2B5EF4-FFF2-40B4-BE49-F238E27FC236}">
-                <a16:creationId xmlns:a16="http://schemas.microsoft.com/office/drawing/2014/main" id="{33A9790A-6454-D4D4-D3CB-3CB26614AA04}"/>
-              </a:ext>
-            </a:extLst>
-          </p:cNvPr>
-          <p:cNvPicPr>
-            <a:picLocks noChangeAspect="1"/>
-          </p:cNvPicPr>
-          <p:nvPr/>
-        </p:nvPicPr>
-        <p:blipFill>
-          <a:blip r:embed="rId5">
-            <a:extLst>
-              <a:ext uri="{96DAC541-7B7A-43D3-8B79-37D633B846F1}">
-                <asvg:svgBlip xmlns:asvg="http://schemas.microsoft.com/office/drawing/2016/SVG/main" r:embed="rId6"/>
-              </a:ext>
-            </a:extLst>
-          </a:blip>
-          <a:stretch>
-            <a:fillRect/>
-          </a:stretch>
-        </p:blipFill>
-        <p:spPr>
-          <a:xfrm>
-            <a:off x="4694883" y="4072546"/>
-            <a:ext cx="914400" cy="914400"/>
-          </a:xfrm>
-          <a:prstGeom prst="rect">
-            <a:avLst/>
-          </a:prstGeom>
-        </p:spPr>
-      </p:pic>
-    </p:spTree>
-    <p:extLst>
-      <p:ext uri="{BB962C8B-B14F-4D97-AF65-F5344CB8AC3E}">
-        <p14:creationId xmlns:p14="http://schemas.microsoft.com/office/powerpoint/2010/main" val="3268926537"/>
-      </p:ext>
-    </p:extLst>
-  </p:cSld>
-  <p:clrMapOvr>
-    <a:masterClrMapping/>
-  </p:clrMapOvr>
-</p:sld>
-</file>
-
-<file path=ppt/slides/slide20.xml><?xml version="1.0" encoding="utf-8"?>
+<file path=ppt/slides/slide21.xml><?xml version="1.0" encoding="utf-8"?>
 <p:sld xmlns:a="http://schemas.openxmlformats.org/drawingml/2006/main" xmlns:r="http://schemas.openxmlformats.org/officeDocument/2006/relationships" xmlns:p="http://schemas.openxmlformats.org/presentationml/2006/main">
   <p:cSld>
     <p:spTree>
@@ -4141,7 +4268,7 @@
 </p:sld>
 </file>
 
-<file path=ppt/slides/slide21.xml><?xml version="1.0" encoding="utf-8"?>
+<file path=ppt/slides/slide22.xml><?xml version="1.0" encoding="utf-8"?>
 <p:sld xmlns:a="http://schemas.openxmlformats.org/drawingml/2006/main" xmlns:r="http://schemas.openxmlformats.org/officeDocument/2006/relationships" xmlns:p="http://schemas.openxmlformats.org/presentationml/2006/main">
   <p:cSld>
     <p:spTree>
@@ -4177,7 +4304,7 @@
 </p:sld>
 </file>
 
-<file path=ppt/slides/slide22.xml><?xml version="1.0" encoding="utf-8"?>
+<file path=ppt/slides/slide23.xml><?xml version="1.0" encoding="utf-8"?>
 <p:sld xmlns:a="http://schemas.openxmlformats.org/drawingml/2006/main" xmlns:r="http://schemas.openxmlformats.org/officeDocument/2006/relationships" xmlns:p="http://schemas.openxmlformats.org/presentationml/2006/main">
   <p:cSld>
     <p:spTree>
@@ -4218,6 +4345,138 @@
   <p:cSld>
     <p:spTree>
       <p:nvGrpSpPr>
+        <p:cNvPr id="1" name=""/>
+        <p:cNvGrpSpPr/>
+        <p:nvPr/>
+      </p:nvGrpSpPr>
+      <p:grpSpPr>
+        <a:xfrm>
+          <a:off x="0" y="0"/>
+          <a:ext cx="0" cy="0"/>
+          <a:chOff x="0" y="0"/>
+          <a:chExt cx="0" cy="0"/>
+        </a:xfrm>
+      </p:grpSpPr>
+      <p:pic>
+        <p:nvPicPr>
+          <p:cNvPr id="12" name="그림 11">
+            <a:extLst>
+              <a:ext uri="{FF2B5EF4-FFF2-40B4-BE49-F238E27FC236}">
+                <a16:creationId xmlns:a16="http://schemas.microsoft.com/office/drawing/2014/main" id="{BBEF1C95-B370-E1CB-58EA-B6FCF5147D14}"/>
+              </a:ext>
+            </a:extLst>
+          </p:cNvPr>
+          <p:cNvPicPr>
+            <a:picLocks noChangeAspect="1"/>
+          </p:cNvPicPr>
+          <p:nvPr/>
+        </p:nvPicPr>
+        <p:blipFill>
+          <a:blip r:embed="rId2"/>
+          <a:stretch>
+            <a:fillRect/>
+          </a:stretch>
+        </p:blipFill>
+        <p:spPr>
+          <a:xfrm>
+            <a:off x="0" y="544939"/>
+            <a:ext cx="12192000" cy="5768121"/>
+          </a:xfrm>
+          <a:prstGeom prst="rect">
+            <a:avLst/>
+          </a:prstGeom>
+        </p:spPr>
+      </p:pic>
+      <p:pic>
+        <p:nvPicPr>
+          <p:cNvPr id="14" name="그래픽 13" descr="연필 단색으로 채워진">
+            <a:extLst>
+              <a:ext uri="{FF2B5EF4-FFF2-40B4-BE49-F238E27FC236}">
+                <a16:creationId xmlns:a16="http://schemas.microsoft.com/office/drawing/2014/main" id="{779F9487-6FA5-7442-4309-876F1293B09C}"/>
+              </a:ext>
+            </a:extLst>
+          </p:cNvPr>
+          <p:cNvPicPr>
+            <a:picLocks noChangeAspect="1"/>
+          </p:cNvPicPr>
+          <p:nvPr/>
+        </p:nvPicPr>
+        <p:blipFill>
+          <a:blip r:embed="rId3">
+            <a:extLst>
+              <a:ext uri="{96DAC541-7B7A-43D3-8B79-37D633B846F1}">
+                <asvg:svgBlip xmlns:asvg="http://schemas.microsoft.com/office/drawing/2016/SVG/main" r:embed="rId4"/>
+              </a:ext>
+            </a:extLst>
+          </a:blip>
+          <a:stretch>
+            <a:fillRect/>
+          </a:stretch>
+        </p:blipFill>
+        <p:spPr>
+          <a:xfrm>
+            <a:off x="2581564" y="2389909"/>
+            <a:ext cx="914400" cy="914400"/>
+          </a:xfrm>
+          <a:prstGeom prst="rect">
+            <a:avLst/>
+          </a:prstGeom>
+        </p:spPr>
+      </p:pic>
+      <p:pic>
+        <p:nvPicPr>
+          <p:cNvPr id="15" name="그래픽 14" descr="커서 단색으로 채워진">
+            <a:extLst>
+              <a:ext uri="{FF2B5EF4-FFF2-40B4-BE49-F238E27FC236}">
+                <a16:creationId xmlns:a16="http://schemas.microsoft.com/office/drawing/2014/main" id="{33A9790A-6454-D4D4-D3CB-3CB26614AA04}"/>
+              </a:ext>
+            </a:extLst>
+          </p:cNvPr>
+          <p:cNvPicPr>
+            <a:picLocks noChangeAspect="1"/>
+          </p:cNvPicPr>
+          <p:nvPr/>
+        </p:nvPicPr>
+        <p:blipFill>
+          <a:blip r:embed="rId5">
+            <a:extLst>
+              <a:ext uri="{96DAC541-7B7A-43D3-8B79-37D633B846F1}">
+                <asvg:svgBlip xmlns:asvg="http://schemas.microsoft.com/office/drawing/2016/SVG/main" r:embed="rId6"/>
+              </a:ext>
+            </a:extLst>
+          </a:blip>
+          <a:stretch>
+            <a:fillRect/>
+          </a:stretch>
+        </p:blipFill>
+        <p:spPr>
+          <a:xfrm>
+            <a:off x="4694883" y="4072546"/>
+            <a:ext cx="914400" cy="914400"/>
+          </a:xfrm>
+          <a:prstGeom prst="rect">
+            <a:avLst/>
+          </a:prstGeom>
+        </p:spPr>
+      </p:pic>
+    </p:spTree>
+    <p:extLst>
+      <p:ext uri="{BB962C8B-B14F-4D97-AF65-F5344CB8AC3E}">
+        <p14:creationId xmlns:p14="http://schemas.microsoft.com/office/powerpoint/2010/main" val="3268926537"/>
+      </p:ext>
+    </p:extLst>
+  </p:cSld>
+  <p:clrMapOvr>
+    <a:masterClrMapping/>
+  </p:clrMapOvr>
+</p:sld>
+</file>
+
+<file path=ppt/slides/slide4.xml><?xml version="1.0" encoding="utf-8"?>
+<p:sld xmlns:a="http://schemas.openxmlformats.org/drawingml/2006/main" xmlns:r="http://schemas.openxmlformats.org/officeDocument/2006/relationships" xmlns:p="http://schemas.openxmlformats.org/presentationml/2006/main">
+  <p:cSld>
+    <p:spTree>
+      <p:nvGrpSpPr>
         <p:cNvPr id="1" name="">
           <a:extLst>
             <a:ext uri="{FF2B5EF4-FFF2-40B4-BE49-F238E27FC236}">
@@ -4315,7 +4574,7 @@
 </p:sld>
 </file>
 
-<file path=ppt/slides/slide4.xml><?xml version="1.0" encoding="utf-8"?>
+<file path=ppt/slides/slide5.xml><?xml version="1.0" encoding="utf-8"?>
 <p:sld xmlns:a="http://schemas.openxmlformats.org/drawingml/2006/main" xmlns:r="http://schemas.openxmlformats.org/officeDocument/2006/relationships" xmlns:p="http://schemas.openxmlformats.org/presentationml/2006/main">
   <p:cSld>
     <p:spTree>
@@ -4417,7 +4676,7 @@
 </p:sld>
 </file>
 
-<file path=ppt/slides/slide5.xml><?xml version="1.0" encoding="utf-8"?>
+<file path=ppt/slides/slide6.xml><?xml version="1.0" encoding="utf-8"?>
 <p:sld xmlns:a="http://schemas.openxmlformats.org/drawingml/2006/main" xmlns:r="http://schemas.openxmlformats.org/officeDocument/2006/relationships" xmlns:p="http://schemas.openxmlformats.org/presentationml/2006/main">
   <p:cSld>
     <p:spTree>
@@ -4687,7 +4946,7 @@
 </p:sld>
 </file>
 
-<file path=ppt/slides/slide6.xml><?xml version="1.0" encoding="utf-8"?>
+<file path=ppt/slides/slide7.xml><?xml version="1.0" encoding="utf-8"?>
 <p:sld xmlns:a="http://schemas.openxmlformats.org/drawingml/2006/main" xmlns:r="http://schemas.openxmlformats.org/officeDocument/2006/relationships" xmlns:p="http://schemas.openxmlformats.org/presentationml/2006/main">
   <p:cSld>
     <p:spTree>
@@ -4789,7 +5048,7 @@
 </p:sld>
 </file>
 
-<file path=ppt/slides/slide7.xml><?xml version="1.0" encoding="utf-8"?>
+<file path=ppt/slides/slide8.xml><?xml version="1.0" encoding="utf-8"?>
 <p:sld xmlns:a="http://schemas.openxmlformats.org/drawingml/2006/main" xmlns:r="http://schemas.openxmlformats.org/officeDocument/2006/relationships" xmlns:p="http://schemas.openxmlformats.org/presentationml/2006/main">
   <p:cSld>
     <p:spTree>
@@ -4927,7 +5186,7 @@
 </p:sld>
 </file>
 
-<file path=ppt/slides/slide8.xml><?xml version="1.0" encoding="utf-8"?>
+<file path=ppt/slides/slide9.xml><?xml version="1.0" encoding="utf-8"?>
 <p:sld xmlns:a="http://schemas.openxmlformats.org/drawingml/2006/main" xmlns:r="http://schemas.openxmlformats.org/officeDocument/2006/relationships" xmlns:p="http://schemas.openxmlformats.org/presentationml/2006/main">
   <p:cSld>
     <p:spTree>
@@ -5056,144 +5315,6 @@
     <p:extLst>
       <p:ext uri="{BB962C8B-B14F-4D97-AF65-F5344CB8AC3E}">
         <p14:creationId xmlns:p14="http://schemas.microsoft.com/office/powerpoint/2010/main" val="2866539803"/>
-      </p:ext>
-    </p:extLst>
-  </p:cSld>
-  <p:clrMapOvr>
-    <a:masterClrMapping/>
-  </p:clrMapOvr>
-</p:sld>
-</file>
-
-<file path=ppt/slides/slide9.xml><?xml version="1.0" encoding="utf-8"?>
-<p:sld xmlns:a="http://schemas.openxmlformats.org/drawingml/2006/main" xmlns:r="http://schemas.openxmlformats.org/officeDocument/2006/relationships" xmlns:p="http://schemas.openxmlformats.org/presentationml/2006/main">
-  <p:cSld>
-    <p:spTree>
-      <p:nvGrpSpPr>
-        <p:cNvPr id="1" name="">
-          <a:extLst>
-            <a:ext uri="{FF2B5EF4-FFF2-40B4-BE49-F238E27FC236}">
-              <a16:creationId xmlns:a16="http://schemas.microsoft.com/office/drawing/2014/main" id="{CDF701BB-4F25-8FC6-4A07-4E7D2E74A548}"/>
-            </a:ext>
-          </a:extLst>
-        </p:cNvPr>
-        <p:cNvGrpSpPr/>
-        <p:nvPr/>
-      </p:nvGrpSpPr>
-      <p:grpSpPr>
-        <a:xfrm>
-          <a:off x="0" y="0"/>
-          <a:ext cx="0" cy="0"/>
-          <a:chOff x="0" y="0"/>
-          <a:chExt cx="0" cy="0"/>
-        </a:xfrm>
-      </p:grpSpPr>
-      <p:pic>
-        <p:nvPicPr>
-          <p:cNvPr id="7" name="그림 6">
-            <a:extLst>
-              <a:ext uri="{FF2B5EF4-FFF2-40B4-BE49-F238E27FC236}">
-                <a16:creationId xmlns:a16="http://schemas.microsoft.com/office/drawing/2014/main" id="{FC134150-54C0-3B37-AD04-F24EF31EF495}"/>
-              </a:ext>
-            </a:extLst>
-          </p:cNvPr>
-          <p:cNvPicPr>
-            <a:picLocks noChangeAspect="1"/>
-          </p:cNvPicPr>
-          <p:nvPr/>
-        </p:nvPicPr>
-        <p:blipFill>
-          <a:blip r:embed="rId2"/>
-          <a:stretch>
-            <a:fillRect/>
-          </a:stretch>
-        </p:blipFill>
-        <p:spPr>
-          <a:xfrm>
-            <a:off x="0" y="588022"/>
-            <a:ext cx="12192000" cy="5681956"/>
-          </a:xfrm>
-          <a:prstGeom prst="rect">
-            <a:avLst/>
-          </a:prstGeom>
-        </p:spPr>
-      </p:pic>
-      <p:pic>
-        <p:nvPicPr>
-          <p:cNvPr id="8" name="그래픽 7" descr="확인 표시 단색으로 채워진">
-            <a:extLst>
-              <a:ext uri="{FF2B5EF4-FFF2-40B4-BE49-F238E27FC236}">
-                <a16:creationId xmlns:a16="http://schemas.microsoft.com/office/drawing/2014/main" id="{8ADFF349-4E87-00D5-E446-C5A8BF8B457C}"/>
-              </a:ext>
-            </a:extLst>
-          </p:cNvPr>
-          <p:cNvPicPr>
-            <a:picLocks noChangeAspect="1"/>
-          </p:cNvPicPr>
-          <p:nvPr/>
-        </p:nvPicPr>
-        <p:blipFill>
-          <a:blip r:embed="rId3">
-            <a:extLst>
-              <a:ext uri="{96DAC541-7B7A-43D3-8B79-37D633B846F1}">
-                <asvg:svgBlip xmlns:asvg="http://schemas.microsoft.com/office/drawing/2016/SVG/main" r:embed="rId4"/>
-              </a:ext>
-            </a:extLst>
-          </a:blip>
-          <a:stretch>
-            <a:fillRect/>
-          </a:stretch>
-        </p:blipFill>
-        <p:spPr>
-          <a:xfrm>
-            <a:off x="218672" y="1922282"/>
-            <a:ext cx="914400" cy="914400"/>
-          </a:xfrm>
-          <a:prstGeom prst="rect">
-            <a:avLst/>
-          </a:prstGeom>
-        </p:spPr>
-      </p:pic>
-      <p:pic>
-        <p:nvPicPr>
-          <p:cNvPr id="9" name="그래픽 8" descr="커서 단색으로 채워진">
-            <a:extLst>
-              <a:ext uri="{FF2B5EF4-FFF2-40B4-BE49-F238E27FC236}">
-                <a16:creationId xmlns:a16="http://schemas.microsoft.com/office/drawing/2014/main" id="{137E4782-B54F-74A9-10D5-A5D10B585104}"/>
-              </a:ext>
-            </a:extLst>
-          </p:cNvPr>
-          <p:cNvPicPr>
-            <a:picLocks noChangeAspect="1"/>
-          </p:cNvPicPr>
-          <p:nvPr/>
-        </p:nvPicPr>
-        <p:blipFill>
-          <a:blip r:embed="rId5">
-            <a:extLst>
-              <a:ext uri="{96DAC541-7B7A-43D3-8B79-37D633B846F1}">
-                <asvg:svgBlip xmlns:asvg="http://schemas.microsoft.com/office/drawing/2016/SVG/main" r:embed="rId6"/>
-              </a:ext>
-            </a:extLst>
-          </a:blip>
-          <a:stretch>
-            <a:fillRect/>
-          </a:stretch>
-        </p:blipFill>
-        <p:spPr>
-          <a:xfrm>
-            <a:off x="962386" y="4548910"/>
-            <a:ext cx="914400" cy="914400"/>
-          </a:xfrm>
-          <a:prstGeom prst="rect">
-            <a:avLst/>
-          </a:prstGeom>
-        </p:spPr>
-      </p:pic>
-    </p:spTree>
-    <p:extLst>
-      <p:ext uri="{BB962C8B-B14F-4D97-AF65-F5344CB8AC3E}">
-        <p14:creationId xmlns:p14="http://schemas.microsoft.com/office/powerpoint/2010/main" val="2150409070"/>
       </p:ext>
     </p:extLst>
   </p:cSld>

--- a/firebase.pptx
+++ b/firebase.pptx
@@ -265,7 +265,7 @@
           <a:p>
             <a:fld id="{6BD79945-8060-45F0-8579-4966D7C541EE}" type="datetimeFigureOut">
               <a:rPr lang="ko-KR" altLang="en-US" smtClean="0"/>
-              <a:t>2025-08-28</a:t>
+              <a:t>2025-09-01</a:t>
             </a:fld>
             <a:endParaRPr lang="ko-KR" altLang="en-US"/>
           </a:p>
@@ -435,7 +435,7 @@
           <a:p>
             <a:fld id="{6BD79945-8060-45F0-8579-4966D7C541EE}" type="datetimeFigureOut">
               <a:rPr lang="ko-KR" altLang="en-US" smtClean="0"/>
-              <a:t>2025-08-28</a:t>
+              <a:t>2025-09-01</a:t>
             </a:fld>
             <a:endParaRPr lang="ko-KR" altLang="en-US"/>
           </a:p>
@@ -615,7 +615,7 @@
           <a:p>
             <a:fld id="{6BD79945-8060-45F0-8579-4966D7C541EE}" type="datetimeFigureOut">
               <a:rPr lang="ko-KR" altLang="en-US" smtClean="0"/>
-              <a:t>2025-08-28</a:t>
+              <a:t>2025-09-01</a:t>
             </a:fld>
             <a:endParaRPr lang="ko-KR" altLang="en-US"/>
           </a:p>
@@ -785,7 +785,7 @@
           <a:p>
             <a:fld id="{6BD79945-8060-45F0-8579-4966D7C541EE}" type="datetimeFigureOut">
               <a:rPr lang="ko-KR" altLang="en-US" smtClean="0"/>
-              <a:t>2025-08-28</a:t>
+              <a:t>2025-09-01</a:t>
             </a:fld>
             <a:endParaRPr lang="ko-KR" altLang="en-US"/>
           </a:p>
@@ -1031,7 +1031,7 @@
           <a:p>
             <a:fld id="{6BD79945-8060-45F0-8579-4966D7C541EE}" type="datetimeFigureOut">
               <a:rPr lang="ko-KR" altLang="en-US" smtClean="0"/>
-              <a:t>2025-08-28</a:t>
+              <a:t>2025-09-01</a:t>
             </a:fld>
             <a:endParaRPr lang="ko-KR" altLang="en-US"/>
           </a:p>
@@ -1263,7 +1263,7 @@
           <a:p>
             <a:fld id="{6BD79945-8060-45F0-8579-4966D7C541EE}" type="datetimeFigureOut">
               <a:rPr lang="ko-KR" altLang="en-US" smtClean="0"/>
-              <a:t>2025-08-28</a:t>
+              <a:t>2025-09-01</a:t>
             </a:fld>
             <a:endParaRPr lang="ko-KR" altLang="en-US"/>
           </a:p>
@@ -1630,7 +1630,7 @@
           <a:p>
             <a:fld id="{6BD79945-8060-45F0-8579-4966D7C541EE}" type="datetimeFigureOut">
               <a:rPr lang="ko-KR" altLang="en-US" smtClean="0"/>
-              <a:t>2025-08-28</a:t>
+              <a:t>2025-09-01</a:t>
             </a:fld>
             <a:endParaRPr lang="ko-KR" altLang="en-US"/>
           </a:p>
@@ -1748,7 +1748,7 @@
           <a:p>
             <a:fld id="{6BD79945-8060-45F0-8579-4966D7C541EE}" type="datetimeFigureOut">
               <a:rPr lang="ko-KR" altLang="en-US" smtClean="0"/>
-              <a:t>2025-08-28</a:t>
+              <a:t>2025-09-01</a:t>
             </a:fld>
             <a:endParaRPr lang="ko-KR" altLang="en-US"/>
           </a:p>
@@ -1843,7 +1843,7 @@
           <a:p>
             <a:fld id="{6BD79945-8060-45F0-8579-4966D7C541EE}" type="datetimeFigureOut">
               <a:rPr lang="ko-KR" altLang="en-US" smtClean="0"/>
-              <a:t>2025-08-28</a:t>
+              <a:t>2025-09-01</a:t>
             </a:fld>
             <a:endParaRPr lang="ko-KR" altLang="en-US"/>
           </a:p>
@@ -2120,7 +2120,7 @@
           <a:p>
             <a:fld id="{6BD79945-8060-45F0-8579-4966D7C541EE}" type="datetimeFigureOut">
               <a:rPr lang="ko-KR" altLang="en-US" smtClean="0"/>
-              <a:t>2025-08-28</a:t>
+              <a:t>2025-09-01</a:t>
             </a:fld>
             <a:endParaRPr lang="ko-KR" altLang="en-US"/>
           </a:p>
@@ -2377,7 +2377,7 @@
           <a:p>
             <a:fld id="{6BD79945-8060-45F0-8579-4966D7C541EE}" type="datetimeFigureOut">
               <a:rPr lang="ko-KR" altLang="en-US" smtClean="0"/>
-              <a:t>2025-08-28</a:t>
+              <a:t>2025-09-01</a:t>
             </a:fld>
             <a:endParaRPr lang="ko-KR" altLang="en-US"/>
           </a:p>
@@ -2590,7 +2590,7 @@
           <a:p>
             <a:fld id="{6BD79945-8060-45F0-8579-4966D7C541EE}" type="datetimeFigureOut">
               <a:rPr lang="ko-KR" altLang="en-US" smtClean="0"/>
-              <a:t>2025-08-28</a:t>
+              <a:t>2025-09-01</a:t>
             </a:fld>
             <a:endParaRPr lang="ko-KR" altLang="en-US"/>
           </a:p>
@@ -4015,6 +4015,72 @@
           <a:chExt cx="0" cy="0"/>
         </a:xfrm>
       </p:grpSpPr>
+      <p:pic>
+        <p:nvPicPr>
+          <p:cNvPr id="3" name="그림 2">
+            <a:extLst>
+              <a:ext uri="{FF2B5EF4-FFF2-40B4-BE49-F238E27FC236}">
+                <a16:creationId xmlns:a16="http://schemas.microsoft.com/office/drawing/2014/main" id="{31C5C8E4-60E8-FEDF-0456-F3942370CB87}"/>
+              </a:ext>
+            </a:extLst>
+          </p:cNvPr>
+          <p:cNvPicPr>
+            <a:picLocks noChangeAspect="1"/>
+          </p:cNvPicPr>
+          <p:nvPr/>
+        </p:nvPicPr>
+        <p:blipFill>
+          <a:blip r:embed="rId2"/>
+          <a:stretch>
+            <a:fillRect/>
+          </a:stretch>
+        </p:blipFill>
+        <p:spPr>
+          <a:xfrm>
+            <a:off x="0" y="569108"/>
+            <a:ext cx="12192000" cy="5719783"/>
+          </a:xfrm>
+          <a:prstGeom prst="rect">
+            <a:avLst/>
+          </a:prstGeom>
+        </p:spPr>
+      </p:pic>
+      <p:pic>
+        <p:nvPicPr>
+          <p:cNvPr id="5" name="그래픽 4" descr="유로 단색으로 채워진">
+            <a:extLst>
+              <a:ext uri="{FF2B5EF4-FFF2-40B4-BE49-F238E27FC236}">
+                <a16:creationId xmlns:a16="http://schemas.microsoft.com/office/drawing/2014/main" id="{4C240230-7F5D-9E83-0825-AC1A2126E18C}"/>
+              </a:ext>
+            </a:extLst>
+          </p:cNvPr>
+          <p:cNvPicPr>
+            <a:picLocks noChangeAspect="1"/>
+          </p:cNvPicPr>
+          <p:nvPr/>
+        </p:nvPicPr>
+        <p:blipFill>
+          <a:blip r:embed="rId3">
+            <a:extLst>
+              <a:ext uri="{96DAC541-7B7A-43D3-8B79-37D633B846F1}">
+                <asvg:svgBlip xmlns:asvg="http://schemas.microsoft.com/office/drawing/2016/SVG/main" r:embed="rId4"/>
+              </a:ext>
+            </a:extLst>
+          </a:blip>
+          <a:stretch>
+            <a:fillRect/>
+          </a:stretch>
+        </p:blipFill>
+        <p:spPr>
+          <a:xfrm>
+            <a:off x="1270000" y="5404509"/>
+            <a:ext cx="914400" cy="914400"/>
+          </a:xfrm>
+          <a:prstGeom prst="rect">
+            <a:avLst/>
+          </a:prstGeom>
+        </p:spPr>
+      </p:pic>
     </p:spTree>
     <p:extLst>
       <p:ext uri="{BB962C8B-B14F-4D97-AF65-F5344CB8AC3E}">
